--- a/p5_FSM.pptx
+++ b/p5_FSM.pptx
@@ -104,6 +104,11 @@
       </a:defRPr>
     </a:lvl9pPr>
   </p:defaultTextStyle>
+  <p:extLst>
+    <p:ext uri="{EFAFB233-063F-42B5-8137-9DF3F51BA10A}">
+      <p15:sldGuideLst xmlns:p15="http://schemas.microsoft.com/office/powerpoint/2012/main"/>
+    </p:ext>
+  </p:extLst>
 </p:presentation>
 </file>
 
@@ -254,7 +259,7 @@
           <a:p>
             <a:fld id="{8F876EF0-C320-49C6-834B-B0E8F3E7D9B8}" type="datetimeFigureOut">
               <a:rPr lang="en-US" smtClean="0"/>
-              <a:t>10/17/2020</a:t>
+              <a:t>10/19/2020</a:t>
             </a:fld>
             <a:endParaRPr lang="en-US"/>
           </a:p>
@@ -452,7 +457,7 @@
           <a:p>
             <a:fld id="{8F876EF0-C320-49C6-834B-B0E8F3E7D9B8}" type="datetimeFigureOut">
               <a:rPr lang="en-US" smtClean="0"/>
-              <a:t>10/17/2020</a:t>
+              <a:t>10/19/2020</a:t>
             </a:fld>
             <a:endParaRPr lang="en-US"/>
           </a:p>
@@ -660,7 +665,7 @@
           <a:p>
             <a:fld id="{8F876EF0-C320-49C6-834B-B0E8F3E7D9B8}" type="datetimeFigureOut">
               <a:rPr lang="en-US" smtClean="0"/>
-              <a:t>10/17/2020</a:t>
+              <a:t>10/19/2020</a:t>
             </a:fld>
             <a:endParaRPr lang="en-US"/>
           </a:p>
@@ -858,7 +863,7 @@
           <a:p>
             <a:fld id="{8F876EF0-C320-49C6-834B-B0E8F3E7D9B8}" type="datetimeFigureOut">
               <a:rPr lang="en-US" smtClean="0"/>
-              <a:t>10/17/2020</a:t>
+              <a:t>10/19/2020</a:t>
             </a:fld>
             <a:endParaRPr lang="en-US"/>
           </a:p>
@@ -1133,7 +1138,7 @@
           <a:p>
             <a:fld id="{8F876EF0-C320-49C6-834B-B0E8F3E7D9B8}" type="datetimeFigureOut">
               <a:rPr lang="en-US" smtClean="0"/>
-              <a:t>10/17/2020</a:t>
+              <a:t>10/19/2020</a:t>
             </a:fld>
             <a:endParaRPr lang="en-US"/>
           </a:p>
@@ -1398,7 +1403,7 @@
           <a:p>
             <a:fld id="{8F876EF0-C320-49C6-834B-B0E8F3E7D9B8}" type="datetimeFigureOut">
               <a:rPr lang="en-US" smtClean="0"/>
-              <a:t>10/17/2020</a:t>
+              <a:t>10/19/2020</a:t>
             </a:fld>
             <a:endParaRPr lang="en-US"/>
           </a:p>
@@ -1810,7 +1815,7 @@
           <a:p>
             <a:fld id="{8F876EF0-C320-49C6-834B-B0E8F3E7D9B8}" type="datetimeFigureOut">
               <a:rPr lang="en-US" smtClean="0"/>
-              <a:t>10/17/2020</a:t>
+              <a:t>10/19/2020</a:t>
             </a:fld>
             <a:endParaRPr lang="en-US"/>
           </a:p>
@@ -1951,7 +1956,7 @@
           <a:p>
             <a:fld id="{8F876EF0-C320-49C6-834B-B0E8F3E7D9B8}" type="datetimeFigureOut">
               <a:rPr lang="en-US" smtClean="0"/>
-              <a:t>10/17/2020</a:t>
+              <a:t>10/19/2020</a:t>
             </a:fld>
             <a:endParaRPr lang="en-US"/>
           </a:p>
@@ -2064,7 +2069,7 @@
           <a:p>
             <a:fld id="{8F876EF0-C320-49C6-834B-B0E8F3E7D9B8}" type="datetimeFigureOut">
               <a:rPr lang="en-US" smtClean="0"/>
-              <a:t>10/17/2020</a:t>
+              <a:t>10/19/2020</a:t>
             </a:fld>
             <a:endParaRPr lang="en-US"/>
           </a:p>
@@ -2375,7 +2380,7 @@
           <a:p>
             <a:fld id="{8F876EF0-C320-49C6-834B-B0E8F3E7D9B8}" type="datetimeFigureOut">
               <a:rPr lang="en-US" smtClean="0"/>
-              <a:t>10/17/2020</a:t>
+              <a:t>10/19/2020</a:t>
             </a:fld>
             <a:endParaRPr lang="en-US"/>
           </a:p>
@@ -2663,7 +2668,7 @@
           <a:p>
             <a:fld id="{8F876EF0-C320-49C6-834B-B0E8F3E7D9B8}" type="datetimeFigureOut">
               <a:rPr lang="en-US" smtClean="0"/>
-              <a:t>10/17/2020</a:t>
+              <a:t>10/19/2020</a:t>
             </a:fld>
             <a:endParaRPr lang="en-US"/>
           </a:p>
@@ -2904,7 +2909,7 @@
           <a:p>
             <a:fld id="{8F876EF0-C320-49C6-834B-B0E8F3E7D9B8}" type="datetimeFigureOut">
               <a:rPr lang="en-US" smtClean="0"/>
-              <a:t>10/17/2020</a:t>
+              <a:t>10/19/2020</a:t>
             </a:fld>
             <a:endParaRPr lang="en-US"/>
           </a:p>
@@ -3391,7 +3396,23 @@
                   <a:schemeClr val="tx1"/>
                 </a:solidFill>
               </a:rPr>
-              <a:t>(while pos &gt; STOP_MIN_DIST)</a:t>
+              <a:t>(while </a:t>
+            </a:r>
+            <a:r>
+              <a:rPr lang="en-US" dirty="0" err="1">
+                <a:solidFill>
+                  <a:schemeClr val="tx1"/>
+                </a:solidFill>
+              </a:rPr>
+              <a:t>dist</a:t>
+            </a:r>
+            <a:r>
+              <a:rPr lang="en-US" dirty="0">
+                <a:solidFill>
+                  <a:schemeClr val="tx1"/>
+                </a:solidFill>
+              </a:rPr>
+              <a:t> &gt; STOP_MIN_DIST)</a:t>
             </a:r>
             <a:endParaRPr lang="en-US" sz="1600" dirty="0">
               <a:solidFill>
@@ -3713,7 +3734,15 @@
           <a:p>
             <a:r>
               <a:rPr lang="en-US" dirty="0"/>
-              <a:t>when pos &lt;= STOP_MIN_DIST</a:t>
+              <a:t>when </a:t>
+            </a:r>
+            <a:r>
+              <a:rPr lang="en-US" dirty="0" err="1"/>
+              <a:t>dist</a:t>
+            </a:r>
+            <a:r>
+              <a:rPr lang="en-US" dirty="0"/>
+              <a:t> &lt;= STOP_MIN_DIST</a:t>
             </a:r>
           </a:p>
         </p:txBody>
